--- a/Policies.pptx
+++ b/Policies.pptx
@@ -7260,42 +7260,6 @@
           </a:p>
         </p:txBody>
       </p:sp>
-      <p:pic>
-        <p:nvPicPr>
-          <p:cNvPr id="5" name="Picture 4">
-            <a:extLst>
-              <a:ext uri="{FF2B5EF4-FFF2-40B4-BE49-F238E27FC236}">
-                <a16:creationId xmlns:a16="http://schemas.microsoft.com/office/drawing/2014/main" id="{FD6421D7-D7D3-14E0-BB82-30242FA6B6E9}"/>
-              </a:ext>
-            </a:extLst>
-          </p:cNvPr>
-          <p:cNvPicPr>
-            <a:picLocks noChangeAspect="1"/>
-          </p:cNvPicPr>
-          <p:nvPr/>
-        </p:nvPicPr>
-        <p:blipFill>
-          <a:blip r:embed="rId2">
-            <a:extLst>
-              <a:ext uri="{28A0092B-C50C-407E-A947-70E740481C1C}">
-                <a14:useLocalDpi xmlns:a14="http://schemas.microsoft.com/office/drawing/2010/main" val="0"/>
-              </a:ext>
-            </a:extLst>
-          </a:blip>
-          <a:stretch>
-            <a:fillRect/>
-          </a:stretch>
-        </p:blipFill>
-        <p:spPr>
-          <a:xfrm>
-            <a:off x="2053167" y="3512538"/>
-            <a:ext cx="2033411" cy="3050117"/>
-          </a:xfrm>
-          <a:prstGeom prst="rect">
-            <a:avLst/>
-          </a:prstGeom>
-        </p:spPr>
-      </p:pic>
       <p:sp>
         <p:nvSpPr>
           <p:cNvPr id="6" name="Content Placeholder 2">
@@ -7536,7 +7500,7 @@
           <p:nvPr/>
         </p:nvPicPr>
         <p:blipFill>
-          <a:blip r:embed="rId3">
+          <a:blip r:embed="rId2">
             <a:extLst>
               <a:ext uri="{28A0092B-C50C-407E-A947-70E740481C1C}">
                 <a14:useLocalDpi xmlns:a14="http://schemas.microsoft.com/office/drawing/2010/main" val="0"/>
@@ -7551,6 +7515,36 @@
           <a:xfrm>
             <a:off x="6284736" y="3900736"/>
             <a:ext cx="4044597" cy="2273719"/>
+          </a:xfrm>
+          <a:prstGeom prst="rect">
+            <a:avLst/>
+          </a:prstGeom>
+        </p:spPr>
+      </p:pic>
+      <p:pic>
+        <p:nvPicPr>
+          <p:cNvPr id="7" name="Picture 6">
+            <a:extLst>
+              <a:ext uri="{FF2B5EF4-FFF2-40B4-BE49-F238E27FC236}">
+                <a16:creationId xmlns:a16="http://schemas.microsoft.com/office/drawing/2014/main" id="{3418FC4A-735C-D6C7-3930-FFDC15B255BE}"/>
+              </a:ext>
+            </a:extLst>
+          </p:cNvPr>
+          <p:cNvPicPr>
+            <a:picLocks noChangeAspect="1"/>
+          </p:cNvPicPr>
+          <p:nvPr/>
+        </p:nvPicPr>
+        <p:blipFill>
+          <a:blip r:embed="rId3"/>
+          <a:stretch>
+            <a:fillRect/>
+          </a:stretch>
+        </p:blipFill>
+        <p:spPr>
+          <a:xfrm>
+            <a:off x="1862667" y="3612444"/>
+            <a:ext cx="2156177" cy="2777449"/>
           </a:xfrm>
           <a:prstGeom prst="rect">
             <a:avLst/>
@@ -7950,10 +7944,10 @@
       </p:sp>
       <p:pic>
         <p:nvPicPr>
-          <p:cNvPr id="7" name="Picture 6">
+          <p:cNvPr id="14" name="Picture 13">
             <a:extLst>
               <a:ext uri="{FF2B5EF4-FFF2-40B4-BE49-F238E27FC236}">
-                <a16:creationId xmlns:a16="http://schemas.microsoft.com/office/drawing/2014/main" id="{176BF305-903C-C081-4E74-057E4678660A}"/>
+                <a16:creationId xmlns:a16="http://schemas.microsoft.com/office/drawing/2014/main" id="{1A3DEAF8-ABCE-702E-DC9C-D551ECA9737E}"/>
               </a:ext>
             </a:extLst>
           </p:cNvPr>
@@ -7976,8 +7970,8 @@
         </p:blipFill>
         <p:spPr>
           <a:xfrm>
-            <a:off x="785359" y="3732870"/>
-            <a:ext cx="4379603" cy="2662130"/>
+            <a:off x="6615289" y="3745875"/>
+            <a:ext cx="4188178" cy="2649125"/>
           </a:xfrm>
           <a:prstGeom prst="rect">
             <a:avLst/>
@@ -7986,10 +7980,10 @@
       </p:pic>
       <p:pic>
         <p:nvPicPr>
-          <p:cNvPr id="14" name="Picture 13">
+          <p:cNvPr id="5" name="Picture 4">
             <a:extLst>
               <a:ext uri="{FF2B5EF4-FFF2-40B4-BE49-F238E27FC236}">
-                <a16:creationId xmlns:a16="http://schemas.microsoft.com/office/drawing/2014/main" id="{1A3DEAF8-ABCE-702E-DC9C-D551ECA9737E}"/>
+                <a16:creationId xmlns:a16="http://schemas.microsoft.com/office/drawing/2014/main" id="{548BA1AE-5B38-6B47-CD21-7DB7909C890B}"/>
               </a:ext>
             </a:extLst>
           </p:cNvPr>
@@ -7999,21 +7993,15 @@
           <p:nvPr/>
         </p:nvPicPr>
         <p:blipFill>
-          <a:blip r:embed="rId3">
-            <a:extLst>
-              <a:ext uri="{28A0092B-C50C-407E-A947-70E740481C1C}">
-                <a14:useLocalDpi xmlns:a14="http://schemas.microsoft.com/office/drawing/2010/main" val="0"/>
-              </a:ext>
-            </a:extLst>
-          </a:blip>
+          <a:blip r:embed="rId3"/>
           <a:stretch>
             <a:fillRect/>
           </a:stretch>
         </p:blipFill>
         <p:spPr>
           <a:xfrm>
-            <a:off x="6615289" y="3745875"/>
-            <a:ext cx="4188178" cy="2649125"/>
+            <a:off x="794597" y="3745875"/>
+            <a:ext cx="4567625" cy="2636287"/>
           </a:xfrm>
           <a:prstGeom prst="rect">
             <a:avLst/>
@@ -8304,21 +8292,6 @@
 </file>
 
 <file path=customXml/item1.xml><?xml version="1.0" encoding="utf-8"?>
-<?mso-contentType ?>
-<FormTemplates xmlns="http://schemas.microsoft.com/sharepoint/v3/contenttype/forms">
-  <Display>DocumentLibraryForm</Display>
-  <Edit>DocumentLibraryForm</Edit>
-  <New>DocumentLibraryForm</New>
-</FormTemplates>
-</file>
-
-<file path=customXml/item2.xml><?xml version="1.0" encoding="utf-8"?>
-<p:properties xmlns:p="http://schemas.microsoft.com/office/2006/metadata/properties" xmlns:xsi="http://www.w3.org/2001/XMLSchema-instance" xmlns:pc="http://schemas.microsoft.com/office/infopath/2007/PartnerControls">
-  <documentManagement/>
-</p:properties>
-</file>
-
-<file path=customXml/item3.xml><?xml version="1.0" encoding="utf-8"?>
 <ct:contentTypeSchema xmlns:ct="http://schemas.microsoft.com/office/2006/metadata/contentType" xmlns:ma="http://schemas.microsoft.com/office/2006/metadata/properties/metaAttributes" ct:_="" ma:_="" ma:contentTypeName="Documento" ma:contentTypeID="0x010100DBF30D811AC94449B1F6DB8DC8EDCED3" ma:contentTypeVersion="2" ma:contentTypeDescription="Creare un nuovo documento." ma:contentTypeScope="" ma:versionID="b679b40679c0b79dff1d7122fb1a4de6">
   <xsd:schema xmlns:xsd="http://www.w3.org/2001/XMLSchema" xmlns:xs="http://www.w3.org/2001/XMLSchema" xmlns:p="http://schemas.microsoft.com/office/2006/metadata/properties" xmlns:ns2="125630b7-8a12-41c3-9ce4-bd2b1b9a0706" targetNamespace="http://schemas.microsoft.com/office/2006/metadata/properties" ma:root="true" ma:fieldsID="5f054c6621e132b52e2abdf2aaf72e16" ns2:_="">
     <xsd:import namespace="125630b7-8a12-41c3-9ce4-bd2b1b9a0706"/>
@@ -8450,24 +8423,22 @@
 </ct:contentTypeSchema>
 </file>
 
-<file path=customXml/itemProps1.xml><?xml version="1.0" encoding="utf-8"?>
-<ds:datastoreItem xmlns:ds="http://schemas.openxmlformats.org/officeDocument/2006/customXml" ds:itemID="{44F3EE93-70BF-48D1-8362-675D1D198397}">
-  <ds:schemaRefs>
-    <ds:schemaRef ds:uri="http://schemas.microsoft.com/sharepoint/v3/contenttype/forms"/>
-  </ds:schemaRefs>
-</ds:datastoreItem>
+<file path=customXml/item2.xml><?xml version="1.0" encoding="utf-8"?>
+<p:properties xmlns:p="http://schemas.microsoft.com/office/2006/metadata/properties" xmlns:xsi="http://www.w3.org/2001/XMLSchema-instance" xmlns:pc="http://schemas.microsoft.com/office/infopath/2007/PartnerControls">
+  <documentManagement/>
+</p:properties>
 </file>
 
-<file path=customXml/itemProps2.xml><?xml version="1.0" encoding="utf-8"?>
-<ds:datastoreItem xmlns:ds="http://schemas.openxmlformats.org/officeDocument/2006/customXml" ds:itemID="{1C89B907-6233-4392-81CB-92A045B99028}">
-  <ds:schemaRefs>
-    <ds:schemaRef ds:uri="http://schemas.microsoft.com/office/2006/metadata/properties"/>
-    <ds:schemaRef ds:uri="http://schemas.microsoft.com/office/infopath/2007/PartnerControls"/>
-  </ds:schemaRefs>
-</ds:datastoreItem>
+<file path=customXml/item3.xml><?xml version="1.0" encoding="utf-8"?>
+<?mso-contentType ?>
+<FormTemplates xmlns="http://schemas.microsoft.com/sharepoint/v3/contenttype/forms">
+  <Display>DocumentLibraryForm</Display>
+  <Edit>DocumentLibraryForm</Edit>
+  <New>DocumentLibraryForm</New>
+</FormTemplates>
 </file>
 
-<file path=customXml/itemProps3.xml><?xml version="1.0" encoding="utf-8"?>
+<file path=customXml/itemProps1.xml><?xml version="1.0" encoding="utf-8"?>
 <ds:datastoreItem xmlns:ds="http://schemas.openxmlformats.org/officeDocument/2006/customXml" ds:itemID="{D01F7E7A-7140-4811-8134-752BF14F0EEE}">
   <ds:schemaRefs>
     <ds:schemaRef ds:uri="http://schemas.microsoft.com/office/2006/metadata/contentType"/>
@@ -8483,4 +8454,21 @@
     <ds:schemaRef ds:uri="http://schemas.microsoft.com/internal/obd"/>
   </ds:schemaRefs>
 </ds:datastoreItem>
+</file>
+
+<file path=customXml/itemProps2.xml><?xml version="1.0" encoding="utf-8"?>
+<ds:datastoreItem xmlns:ds="http://schemas.openxmlformats.org/officeDocument/2006/customXml" ds:itemID="{1C89B907-6233-4392-81CB-92A045B99028}">
+  <ds:schemaRefs>
+    <ds:schemaRef ds:uri="http://schemas.microsoft.com/office/2006/metadata/properties"/>
+    <ds:schemaRef ds:uri="http://schemas.microsoft.com/office/infopath/2007/PartnerControls"/>
+  </ds:schemaRefs>
+</ds:datastoreItem>
+</file>
+
+<file path=customXml/itemProps3.xml><?xml version="1.0" encoding="utf-8"?>
+<ds:datastoreItem xmlns:ds="http://schemas.openxmlformats.org/officeDocument/2006/customXml" ds:itemID="{44F3EE93-70BF-48D1-8362-675D1D198397}">
+  <ds:schemaRefs>
+    <ds:schemaRef ds:uri="http://schemas.microsoft.com/sharepoint/v3/contenttype/forms"/>
+  </ds:schemaRefs>
+</ds:datastoreItem>
 </file>